--- a/L3/3Vim.pptx
+++ b/L3/3Vim.pptx
@@ -4361,7 +4361,25 @@
           <a:p>
             <a:pPr/>
             <a:r>
-              <a:t>将/usr/include/socket.h文件内容插入到test.c文件中</a:t>
+              <a:t>将xxx文件内容插入到test.c文件中</a:t>
+            </a:r>
+          </a:p>
+          <a:p>
+            <a:pPr/>
+            <a:r>
+              <a:t>将当前文件中xxx字符串全部替换为yyy字符串</a:t>
+            </a:r>
+          </a:p>
+          <a:p>
+            <a:pPr/>
+            <a:r>
+              <a:t>将当前文件中10-20行的代码注释掉</a:t>
+            </a:r>
+          </a:p>
+          <a:p>
+            <a:pPr/>
+            <a:r>
+              <a:t>将2-3行代码复制粘贴10次</a:t>
             </a:r>
           </a:p>
         </p:txBody>
